--- a/3. 최적화 문제 설정.pptx
+++ b/3. 최적화 문제 설정.pptx
@@ -130,6 +130,11 @@
       </a:defRPr>
     </a:lvl9pPr>
   </p:defaultTextStyle>
+  <p:extLst>
+    <p:ext uri="{EFAFB233-063F-42B5-8137-9DF3F51BA10A}">
+      <p15:sldGuideLst xmlns:p15="http://schemas.microsoft.com/office/powerpoint/2012/main"/>
+    </p:ext>
+  </p:extLst>
 </p:presentation>
 </file>
 
@@ -264,7 +269,7 @@
           <a:p>
             <a:fld id="{0939ACD3-6F30-468B-A6CB-59D247FB08B2}" type="datetimeFigureOut">
               <a:rPr lang="ko-KR" altLang="en-US" smtClean="0"/>
-              <a:t>2023-11-06</a:t>
+              <a:t>2023-11-07</a:t>
             </a:fld>
             <a:endParaRPr lang="ko-KR" altLang="en-US"/>
           </a:p>
@@ -434,7 +439,7 @@
           <a:p>
             <a:fld id="{0939ACD3-6F30-468B-A6CB-59D247FB08B2}" type="datetimeFigureOut">
               <a:rPr lang="ko-KR" altLang="en-US" smtClean="0"/>
-              <a:t>2023-11-06</a:t>
+              <a:t>2023-11-07</a:t>
             </a:fld>
             <a:endParaRPr lang="ko-KR" altLang="en-US"/>
           </a:p>
@@ -614,7 +619,7 @@
           <a:p>
             <a:fld id="{0939ACD3-6F30-468B-A6CB-59D247FB08B2}" type="datetimeFigureOut">
               <a:rPr lang="ko-KR" altLang="en-US" smtClean="0"/>
-              <a:t>2023-11-06</a:t>
+              <a:t>2023-11-07</a:t>
             </a:fld>
             <a:endParaRPr lang="ko-KR" altLang="en-US"/>
           </a:p>
@@ -784,7 +789,7 @@
           <a:p>
             <a:fld id="{0939ACD3-6F30-468B-A6CB-59D247FB08B2}" type="datetimeFigureOut">
               <a:rPr lang="ko-KR" altLang="en-US" smtClean="0"/>
-              <a:t>2023-11-06</a:t>
+              <a:t>2023-11-07</a:t>
             </a:fld>
             <a:endParaRPr lang="ko-KR" altLang="en-US"/>
           </a:p>
@@ -1030,7 +1035,7 @@
           <a:p>
             <a:fld id="{0939ACD3-6F30-468B-A6CB-59D247FB08B2}" type="datetimeFigureOut">
               <a:rPr lang="ko-KR" altLang="en-US" smtClean="0"/>
-              <a:t>2023-11-06</a:t>
+              <a:t>2023-11-07</a:t>
             </a:fld>
             <a:endParaRPr lang="ko-KR" altLang="en-US"/>
           </a:p>
@@ -1262,7 +1267,7 @@
           <a:p>
             <a:fld id="{0939ACD3-6F30-468B-A6CB-59D247FB08B2}" type="datetimeFigureOut">
               <a:rPr lang="ko-KR" altLang="en-US" smtClean="0"/>
-              <a:t>2023-11-06</a:t>
+              <a:t>2023-11-07</a:t>
             </a:fld>
             <a:endParaRPr lang="ko-KR" altLang="en-US"/>
           </a:p>
@@ -1629,7 +1634,7 @@
           <a:p>
             <a:fld id="{0939ACD3-6F30-468B-A6CB-59D247FB08B2}" type="datetimeFigureOut">
               <a:rPr lang="ko-KR" altLang="en-US" smtClean="0"/>
-              <a:t>2023-11-06</a:t>
+              <a:t>2023-11-07</a:t>
             </a:fld>
             <a:endParaRPr lang="ko-KR" altLang="en-US"/>
           </a:p>
@@ -1747,7 +1752,7 @@
           <a:p>
             <a:fld id="{0939ACD3-6F30-468B-A6CB-59D247FB08B2}" type="datetimeFigureOut">
               <a:rPr lang="ko-KR" altLang="en-US" smtClean="0"/>
-              <a:t>2023-11-06</a:t>
+              <a:t>2023-11-07</a:t>
             </a:fld>
             <a:endParaRPr lang="ko-KR" altLang="en-US"/>
           </a:p>
@@ -1842,7 +1847,7 @@
           <a:p>
             <a:fld id="{0939ACD3-6F30-468B-A6CB-59D247FB08B2}" type="datetimeFigureOut">
               <a:rPr lang="ko-KR" altLang="en-US" smtClean="0"/>
-              <a:t>2023-11-06</a:t>
+              <a:t>2023-11-07</a:t>
             </a:fld>
             <a:endParaRPr lang="ko-KR" altLang="en-US"/>
           </a:p>
@@ -2119,7 +2124,7 @@
           <a:p>
             <a:fld id="{0939ACD3-6F30-468B-A6CB-59D247FB08B2}" type="datetimeFigureOut">
               <a:rPr lang="ko-KR" altLang="en-US" smtClean="0"/>
-              <a:t>2023-11-06</a:t>
+              <a:t>2023-11-07</a:t>
             </a:fld>
             <a:endParaRPr lang="ko-KR" altLang="en-US"/>
           </a:p>
@@ -2372,7 +2377,7 @@
           <a:p>
             <a:fld id="{0939ACD3-6F30-468B-A6CB-59D247FB08B2}" type="datetimeFigureOut">
               <a:rPr lang="ko-KR" altLang="en-US" smtClean="0"/>
-              <a:t>2023-11-06</a:t>
+              <a:t>2023-11-07</a:t>
             </a:fld>
             <a:endParaRPr lang="ko-KR" altLang="en-US"/>
           </a:p>
@@ -2585,7 +2590,7 @@
           <a:p>
             <a:fld id="{0939ACD3-6F30-468B-A6CB-59D247FB08B2}" type="datetimeFigureOut">
               <a:rPr lang="ko-KR" altLang="en-US" smtClean="0"/>
-              <a:t>2023-11-06</a:t>
+              <a:t>2023-11-07</a:t>
             </a:fld>
             <a:endParaRPr lang="ko-KR" altLang="en-US"/>
           </a:p>
@@ -3838,9 +3843,652 @@
   <p:timing>
     <p:tnLst>
       <p:par>
-        <p:cTn id="1" dur="indefinite" restart="never" nodeType="tmRoot"/>
+        <p:cTn id="1" dur="indefinite" restart="never" nodeType="tmRoot">
+          <p:childTnLst>
+            <p:seq concurrent="1" nextAc="seek">
+              <p:cTn id="2" dur="indefinite" nodeType="mainSeq">
+                <p:childTnLst>
+                  <p:par>
+                    <p:cTn id="3" fill="hold">
+                      <p:stCondLst>
+                        <p:cond delay="indefinite"/>
+                      </p:stCondLst>
+                      <p:childTnLst>
+                        <p:par>
+                          <p:cTn id="4" fill="hold">
+                            <p:stCondLst>
+                              <p:cond delay="0"/>
+                            </p:stCondLst>
+                            <p:childTnLst>
+                              <p:par>
+                                <p:cTn id="5" presetID="1" presetClass="entr" presetSubtype="0" fill="hold" grpId="0" nodeType="clickEffect">
+                                  <p:stCondLst>
+                                    <p:cond delay="0"/>
+                                  </p:stCondLst>
+                                  <p:childTnLst>
+                                    <p:set>
+                                      <p:cBhvr>
+                                        <p:cTn id="6" dur="1" fill="hold">
+                                          <p:stCondLst>
+                                            <p:cond delay="0"/>
+                                          </p:stCondLst>
+                                        </p:cTn>
+                                        <p:tgtEl>
+                                          <p:spTgt spid="23"/>
+                                        </p:tgtEl>
+                                        <p:attrNameLst>
+                                          <p:attrName>style.visibility</p:attrName>
+                                        </p:attrNameLst>
+                                      </p:cBhvr>
+                                      <p:to>
+                                        <p:strVal val="visible"/>
+                                      </p:to>
+                                    </p:set>
+                                  </p:childTnLst>
+                                </p:cTn>
+                              </p:par>
+                            </p:childTnLst>
+                          </p:cTn>
+                        </p:par>
+                      </p:childTnLst>
+                    </p:cTn>
+                  </p:par>
+                  <p:par>
+                    <p:cTn id="7" fill="hold">
+                      <p:stCondLst>
+                        <p:cond delay="indefinite"/>
+                      </p:stCondLst>
+                      <p:childTnLst>
+                        <p:par>
+                          <p:cTn id="8" fill="hold">
+                            <p:stCondLst>
+                              <p:cond delay="0"/>
+                            </p:stCondLst>
+                            <p:childTnLst>
+                              <p:par>
+                                <p:cTn id="9" presetID="1" presetClass="entr" presetSubtype="0" fill="hold" grpId="0" nodeType="clickEffect">
+                                  <p:stCondLst>
+                                    <p:cond delay="0"/>
+                                  </p:stCondLst>
+                                  <p:childTnLst>
+                                    <p:set>
+                                      <p:cBhvr>
+                                        <p:cTn id="10" dur="1" fill="hold">
+                                          <p:stCondLst>
+                                            <p:cond delay="0"/>
+                                          </p:stCondLst>
+                                        </p:cTn>
+                                        <p:tgtEl>
+                                          <p:spTgt spid="25"/>
+                                        </p:tgtEl>
+                                        <p:attrNameLst>
+                                          <p:attrName>style.visibility</p:attrName>
+                                        </p:attrNameLst>
+                                      </p:cBhvr>
+                                      <p:to>
+                                        <p:strVal val="visible"/>
+                                      </p:to>
+                                    </p:set>
+                                  </p:childTnLst>
+                                </p:cTn>
+                              </p:par>
+                            </p:childTnLst>
+                          </p:cTn>
+                        </p:par>
+                      </p:childTnLst>
+                    </p:cTn>
+                  </p:par>
+                  <p:par>
+                    <p:cTn id="11" fill="hold">
+                      <p:stCondLst>
+                        <p:cond delay="indefinite"/>
+                      </p:stCondLst>
+                      <p:childTnLst>
+                        <p:par>
+                          <p:cTn id="12" fill="hold">
+                            <p:stCondLst>
+                              <p:cond delay="0"/>
+                            </p:stCondLst>
+                            <p:childTnLst>
+                              <p:par>
+                                <p:cTn id="13" presetID="1" presetClass="entr" presetSubtype="0" fill="hold" grpId="0" nodeType="clickEffect">
+                                  <p:stCondLst>
+                                    <p:cond delay="0"/>
+                                  </p:stCondLst>
+                                  <p:childTnLst>
+                                    <p:set>
+                                      <p:cBhvr>
+                                        <p:cTn id="14" dur="1" fill="hold">
+                                          <p:stCondLst>
+                                            <p:cond delay="0"/>
+                                          </p:stCondLst>
+                                        </p:cTn>
+                                        <p:tgtEl>
+                                          <p:spTgt spid="26"/>
+                                        </p:tgtEl>
+                                        <p:attrNameLst>
+                                          <p:attrName>style.visibility</p:attrName>
+                                        </p:attrNameLst>
+                                      </p:cBhvr>
+                                      <p:to>
+                                        <p:strVal val="visible"/>
+                                      </p:to>
+                                    </p:set>
+                                  </p:childTnLst>
+                                </p:cTn>
+                              </p:par>
+                            </p:childTnLst>
+                          </p:cTn>
+                        </p:par>
+                      </p:childTnLst>
+                    </p:cTn>
+                  </p:par>
+                  <p:par>
+                    <p:cTn id="15" fill="hold">
+                      <p:stCondLst>
+                        <p:cond delay="indefinite"/>
+                      </p:stCondLst>
+                      <p:childTnLst>
+                        <p:par>
+                          <p:cTn id="16" fill="hold">
+                            <p:stCondLst>
+                              <p:cond delay="0"/>
+                            </p:stCondLst>
+                            <p:childTnLst>
+                              <p:par>
+                                <p:cTn id="17" presetID="1" presetClass="entr" presetSubtype="0" fill="hold" grpId="0" nodeType="clickEffect">
+                                  <p:stCondLst>
+                                    <p:cond delay="0"/>
+                                  </p:stCondLst>
+                                  <p:childTnLst>
+                                    <p:set>
+                                      <p:cBhvr>
+                                        <p:cTn id="18" dur="1" fill="hold">
+                                          <p:stCondLst>
+                                            <p:cond delay="0"/>
+                                          </p:stCondLst>
+                                        </p:cTn>
+                                        <p:tgtEl>
+                                          <p:spTgt spid="27"/>
+                                        </p:tgtEl>
+                                        <p:attrNameLst>
+                                          <p:attrName>style.visibility</p:attrName>
+                                        </p:attrNameLst>
+                                      </p:cBhvr>
+                                      <p:to>
+                                        <p:strVal val="visible"/>
+                                      </p:to>
+                                    </p:set>
+                                  </p:childTnLst>
+                                </p:cTn>
+                              </p:par>
+                            </p:childTnLst>
+                          </p:cTn>
+                        </p:par>
+                      </p:childTnLst>
+                    </p:cTn>
+                  </p:par>
+                  <p:par>
+                    <p:cTn id="19" fill="hold">
+                      <p:stCondLst>
+                        <p:cond delay="indefinite"/>
+                      </p:stCondLst>
+                      <p:childTnLst>
+                        <p:par>
+                          <p:cTn id="20" fill="hold">
+                            <p:stCondLst>
+                              <p:cond delay="0"/>
+                            </p:stCondLst>
+                            <p:childTnLst>
+                              <p:par>
+                                <p:cTn id="21" presetID="1" presetClass="entr" presetSubtype="0" fill="hold" nodeType="clickEffect">
+                                  <p:stCondLst>
+                                    <p:cond delay="0"/>
+                                  </p:stCondLst>
+                                  <p:childTnLst>
+                                    <p:set>
+                                      <p:cBhvr>
+                                        <p:cTn id="22" dur="1" fill="hold">
+                                          <p:stCondLst>
+                                            <p:cond delay="0"/>
+                                          </p:stCondLst>
+                                        </p:cTn>
+                                        <p:tgtEl>
+                                          <p:spTgt spid="14"/>
+                                        </p:tgtEl>
+                                        <p:attrNameLst>
+                                          <p:attrName>style.visibility</p:attrName>
+                                        </p:attrNameLst>
+                                      </p:cBhvr>
+                                      <p:to>
+                                        <p:strVal val="visible"/>
+                                      </p:to>
+                                    </p:set>
+                                  </p:childTnLst>
+                                </p:cTn>
+                              </p:par>
+                            </p:childTnLst>
+                          </p:cTn>
+                        </p:par>
+                      </p:childTnLst>
+                    </p:cTn>
+                  </p:par>
+                  <p:par>
+                    <p:cTn id="23" fill="hold">
+                      <p:stCondLst>
+                        <p:cond delay="indefinite"/>
+                      </p:stCondLst>
+                      <p:childTnLst>
+                        <p:par>
+                          <p:cTn id="24" fill="hold">
+                            <p:stCondLst>
+                              <p:cond delay="0"/>
+                            </p:stCondLst>
+                            <p:childTnLst>
+                              <p:par>
+                                <p:cTn id="25" presetID="1" presetClass="entr" presetSubtype="0" fill="hold" nodeType="clickEffect">
+                                  <p:stCondLst>
+                                    <p:cond delay="0"/>
+                                  </p:stCondLst>
+                                  <p:childTnLst>
+                                    <p:set>
+                                      <p:cBhvr>
+                                        <p:cTn id="26" dur="1" fill="hold">
+                                          <p:stCondLst>
+                                            <p:cond delay="0"/>
+                                          </p:stCondLst>
+                                        </p:cTn>
+                                        <p:tgtEl>
+                                          <p:spTgt spid="12"/>
+                                        </p:tgtEl>
+                                        <p:attrNameLst>
+                                          <p:attrName>style.visibility</p:attrName>
+                                        </p:attrNameLst>
+                                      </p:cBhvr>
+                                      <p:to>
+                                        <p:strVal val="visible"/>
+                                      </p:to>
+                                    </p:set>
+                                  </p:childTnLst>
+                                </p:cTn>
+                              </p:par>
+                              <p:par>
+                                <p:cTn id="27" presetID="1" presetClass="entr" presetSubtype="0" fill="hold" nodeType="withEffect">
+                                  <p:stCondLst>
+                                    <p:cond delay="0"/>
+                                  </p:stCondLst>
+                                  <p:childTnLst>
+                                    <p:set>
+                                      <p:cBhvr>
+                                        <p:cTn id="28" dur="1" fill="hold">
+                                          <p:stCondLst>
+                                            <p:cond delay="0"/>
+                                          </p:stCondLst>
+                                        </p:cTn>
+                                        <p:tgtEl>
+                                          <p:spTgt spid="21"/>
+                                        </p:tgtEl>
+                                        <p:attrNameLst>
+                                          <p:attrName>style.visibility</p:attrName>
+                                        </p:attrNameLst>
+                                      </p:cBhvr>
+                                      <p:to>
+                                        <p:strVal val="visible"/>
+                                      </p:to>
+                                    </p:set>
+                                  </p:childTnLst>
+                                </p:cTn>
+                              </p:par>
+                            </p:childTnLst>
+                          </p:cTn>
+                        </p:par>
+                      </p:childTnLst>
+                    </p:cTn>
+                  </p:par>
+                  <p:par>
+                    <p:cTn id="29" fill="hold">
+                      <p:stCondLst>
+                        <p:cond delay="indefinite"/>
+                      </p:stCondLst>
+                      <p:childTnLst>
+                        <p:par>
+                          <p:cTn id="30" fill="hold">
+                            <p:stCondLst>
+                              <p:cond delay="0"/>
+                            </p:stCondLst>
+                            <p:childTnLst>
+                              <p:par>
+                                <p:cTn id="31" presetID="1" presetClass="entr" presetSubtype="0" fill="hold" nodeType="clickEffect">
+                                  <p:stCondLst>
+                                    <p:cond delay="0"/>
+                                  </p:stCondLst>
+                                  <p:childTnLst>
+                                    <p:set>
+                                      <p:cBhvr>
+                                        <p:cTn id="32" dur="1" fill="hold">
+                                          <p:stCondLst>
+                                            <p:cond delay="0"/>
+                                          </p:stCondLst>
+                                        </p:cTn>
+                                        <p:tgtEl>
+                                          <p:spTgt spid="22"/>
+                                        </p:tgtEl>
+                                        <p:attrNameLst>
+                                          <p:attrName>style.visibility</p:attrName>
+                                        </p:attrNameLst>
+                                      </p:cBhvr>
+                                      <p:to>
+                                        <p:strVal val="visible"/>
+                                      </p:to>
+                                    </p:set>
+                                  </p:childTnLst>
+                                </p:cTn>
+                              </p:par>
+                            </p:childTnLst>
+                          </p:cTn>
+                        </p:par>
+                      </p:childTnLst>
+                    </p:cTn>
+                  </p:par>
+                  <p:par>
+                    <p:cTn id="33" fill="hold">
+                      <p:stCondLst>
+                        <p:cond delay="indefinite"/>
+                      </p:stCondLst>
+                      <p:childTnLst>
+                        <p:par>
+                          <p:cTn id="34" fill="hold">
+                            <p:stCondLst>
+                              <p:cond delay="0"/>
+                            </p:stCondLst>
+                            <p:childTnLst>
+                              <p:par>
+                                <p:cTn id="35" presetID="1" presetClass="entr" presetSubtype="0" fill="hold" nodeType="clickEffect">
+                                  <p:stCondLst>
+                                    <p:cond delay="0"/>
+                                  </p:stCondLst>
+                                  <p:childTnLst>
+                                    <p:set>
+                                      <p:cBhvr>
+                                        <p:cTn id="36" dur="1" fill="hold">
+                                          <p:stCondLst>
+                                            <p:cond delay="0"/>
+                                          </p:stCondLst>
+                                        </p:cTn>
+                                        <p:tgtEl>
+                                          <p:spTgt spid="24"/>
+                                        </p:tgtEl>
+                                        <p:attrNameLst>
+                                          <p:attrName>style.visibility</p:attrName>
+                                        </p:attrNameLst>
+                                      </p:cBhvr>
+                                      <p:to>
+                                        <p:strVal val="visible"/>
+                                      </p:to>
+                                    </p:set>
+                                  </p:childTnLst>
+                                </p:cTn>
+                              </p:par>
+                            </p:childTnLst>
+                          </p:cTn>
+                        </p:par>
+                      </p:childTnLst>
+                    </p:cTn>
+                  </p:par>
+                  <p:par>
+                    <p:cTn id="37" fill="hold">
+                      <p:stCondLst>
+                        <p:cond delay="indefinite"/>
+                      </p:stCondLst>
+                      <p:childTnLst>
+                        <p:par>
+                          <p:cTn id="38" fill="hold">
+                            <p:stCondLst>
+                              <p:cond delay="0"/>
+                            </p:stCondLst>
+                            <p:childTnLst>
+                              <p:par>
+                                <p:cTn id="39" presetID="1" presetClass="entr" presetSubtype="0" fill="hold" nodeType="clickEffect">
+                                  <p:stCondLst>
+                                    <p:cond delay="0"/>
+                                  </p:stCondLst>
+                                  <p:childTnLst>
+                                    <p:set>
+                                      <p:cBhvr>
+                                        <p:cTn id="40" dur="1" fill="hold">
+                                          <p:stCondLst>
+                                            <p:cond delay="0"/>
+                                          </p:stCondLst>
+                                        </p:cTn>
+                                        <p:tgtEl>
+                                          <p:spTgt spid="28"/>
+                                        </p:tgtEl>
+                                        <p:attrNameLst>
+                                          <p:attrName>style.visibility</p:attrName>
+                                        </p:attrNameLst>
+                                      </p:cBhvr>
+                                      <p:to>
+                                        <p:strVal val="visible"/>
+                                      </p:to>
+                                    </p:set>
+                                  </p:childTnLst>
+                                </p:cTn>
+                              </p:par>
+                            </p:childTnLst>
+                          </p:cTn>
+                        </p:par>
+                      </p:childTnLst>
+                    </p:cTn>
+                  </p:par>
+                  <p:par>
+                    <p:cTn id="41" fill="hold">
+                      <p:stCondLst>
+                        <p:cond delay="indefinite"/>
+                      </p:stCondLst>
+                      <p:childTnLst>
+                        <p:par>
+                          <p:cTn id="42" fill="hold">
+                            <p:stCondLst>
+                              <p:cond delay="0"/>
+                            </p:stCondLst>
+                            <p:childTnLst>
+                              <p:par>
+                                <p:cTn id="43" presetID="1" presetClass="entr" presetSubtype="0" fill="hold" grpId="0" nodeType="clickEffect">
+                                  <p:stCondLst>
+                                    <p:cond delay="0"/>
+                                  </p:stCondLst>
+                                  <p:childTnLst>
+                                    <p:set>
+                                      <p:cBhvr>
+                                        <p:cTn id="44" dur="1" fill="hold">
+                                          <p:stCondLst>
+                                            <p:cond delay="0"/>
+                                          </p:stCondLst>
+                                        </p:cTn>
+                                        <p:tgtEl>
+                                          <p:spTgt spid="32"/>
+                                        </p:tgtEl>
+                                        <p:attrNameLst>
+                                          <p:attrName>style.visibility</p:attrName>
+                                        </p:attrNameLst>
+                                      </p:cBhvr>
+                                      <p:to>
+                                        <p:strVal val="visible"/>
+                                      </p:to>
+                                    </p:set>
+                                  </p:childTnLst>
+                                </p:cTn>
+                              </p:par>
+                            </p:childTnLst>
+                          </p:cTn>
+                        </p:par>
+                      </p:childTnLst>
+                    </p:cTn>
+                  </p:par>
+                  <p:par>
+                    <p:cTn id="45" fill="hold">
+                      <p:stCondLst>
+                        <p:cond delay="indefinite"/>
+                      </p:stCondLst>
+                      <p:childTnLst>
+                        <p:par>
+                          <p:cTn id="46" fill="hold">
+                            <p:stCondLst>
+                              <p:cond delay="0"/>
+                            </p:stCondLst>
+                            <p:childTnLst>
+                              <p:par>
+                                <p:cTn id="47" presetID="1" presetClass="entr" presetSubtype="0" fill="hold" nodeType="clickEffect">
+                                  <p:stCondLst>
+                                    <p:cond delay="0"/>
+                                  </p:stCondLst>
+                                  <p:childTnLst>
+                                    <p:set>
+                                      <p:cBhvr>
+                                        <p:cTn id="48" dur="1" fill="hold">
+                                          <p:stCondLst>
+                                            <p:cond delay="0"/>
+                                          </p:stCondLst>
+                                        </p:cTn>
+                                        <p:tgtEl>
+                                          <p:spTgt spid="29"/>
+                                        </p:tgtEl>
+                                        <p:attrNameLst>
+                                          <p:attrName>style.visibility</p:attrName>
+                                        </p:attrNameLst>
+                                      </p:cBhvr>
+                                      <p:to>
+                                        <p:strVal val="visible"/>
+                                      </p:to>
+                                    </p:set>
+                                  </p:childTnLst>
+                                </p:cTn>
+                              </p:par>
+                            </p:childTnLst>
+                          </p:cTn>
+                        </p:par>
+                      </p:childTnLst>
+                    </p:cTn>
+                  </p:par>
+                  <p:par>
+                    <p:cTn id="49" fill="hold">
+                      <p:stCondLst>
+                        <p:cond delay="indefinite"/>
+                      </p:stCondLst>
+                      <p:childTnLst>
+                        <p:par>
+                          <p:cTn id="50" fill="hold">
+                            <p:stCondLst>
+                              <p:cond delay="0"/>
+                            </p:stCondLst>
+                            <p:childTnLst>
+                              <p:par>
+                                <p:cTn id="51" presetID="1" presetClass="entr" presetSubtype="0" fill="hold" nodeType="clickEffect">
+                                  <p:stCondLst>
+                                    <p:cond delay="0"/>
+                                  </p:stCondLst>
+                                  <p:childTnLst>
+                                    <p:set>
+                                      <p:cBhvr>
+                                        <p:cTn id="52" dur="1" fill="hold">
+                                          <p:stCondLst>
+                                            <p:cond delay="0"/>
+                                          </p:stCondLst>
+                                        </p:cTn>
+                                        <p:tgtEl>
+                                          <p:spTgt spid="30"/>
+                                        </p:tgtEl>
+                                        <p:attrNameLst>
+                                          <p:attrName>style.visibility</p:attrName>
+                                        </p:attrNameLst>
+                                      </p:cBhvr>
+                                      <p:to>
+                                        <p:strVal val="visible"/>
+                                      </p:to>
+                                    </p:set>
+                                  </p:childTnLst>
+                                </p:cTn>
+                              </p:par>
+                            </p:childTnLst>
+                          </p:cTn>
+                        </p:par>
+                      </p:childTnLst>
+                    </p:cTn>
+                  </p:par>
+                  <p:par>
+                    <p:cTn id="53" fill="hold">
+                      <p:stCondLst>
+                        <p:cond delay="indefinite"/>
+                      </p:stCondLst>
+                      <p:childTnLst>
+                        <p:par>
+                          <p:cTn id="54" fill="hold">
+                            <p:stCondLst>
+                              <p:cond delay="0"/>
+                            </p:stCondLst>
+                            <p:childTnLst>
+                              <p:par>
+                                <p:cTn id="55" presetID="1" presetClass="entr" presetSubtype="0" fill="hold" grpId="0" nodeType="clickEffect">
+                                  <p:stCondLst>
+                                    <p:cond delay="0"/>
+                                  </p:stCondLst>
+                                  <p:childTnLst>
+                                    <p:set>
+                                      <p:cBhvr>
+                                        <p:cTn id="56" dur="1" fill="hold">
+                                          <p:stCondLst>
+                                            <p:cond delay="0"/>
+                                          </p:stCondLst>
+                                        </p:cTn>
+                                        <p:tgtEl>
+                                          <p:spTgt spid="33"/>
+                                        </p:tgtEl>
+                                        <p:attrNameLst>
+                                          <p:attrName>style.visibility</p:attrName>
+                                        </p:attrNameLst>
+                                      </p:cBhvr>
+                                      <p:to>
+                                        <p:strVal val="visible"/>
+                                      </p:to>
+                                    </p:set>
+                                  </p:childTnLst>
+                                </p:cTn>
+                              </p:par>
+                            </p:childTnLst>
+                          </p:cTn>
+                        </p:par>
+                      </p:childTnLst>
+                    </p:cTn>
+                  </p:par>
+                </p:childTnLst>
+              </p:cTn>
+              <p:prevCondLst>
+                <p:cond evt="onPrev" delay="0">
+                  <p:tgtEl>
+                    <p:sldTgt/>
+                  </p:tgtEl>
+                </p:cond>
+              </p:prevCondLst>
+              <p:nextCondLst>
+                <p:cond evt="onNext" delay="0">
+                  <p:tgtEl>
+                    <p:sldTgt/>
+                  </p:tgtEl>
+                </p:cond>
+              </p:nextCondLst>
+            </p:seq>
+          </p:childTnLst>
+        </p:cTn>
       </p:par>
     </p:tnLst>
+    <p:bldLst>
+      <p:bldP spid="23" grpId="0" animBg="1"/>
+      <p:bldP spid="25" grpId="0" animBg="1"/>
+      <p:bldP spid="26" grpId="0" animBg="1"/>
+      <p:bldP spid="27" grpId="0" animBg="1"/>
+      <p:bldP spid="32" grpId="0" animBg="1"/>
+      <p:bldP spid="33" grpId="0" animBg="1"/>
+    </p:bldLst>
   </p:timing>
 </p:sld>
 </file>
@@ -5727,6 +6375,104 @@
           </a:p>
         </p:txBody>
       </p:sp>
+      <p:sp>
+        <p:nvSpPr>
+          <p:cNvPr id="4" name="액자 3"/>
+          <p:cNvSpPr/>
+          <p:nvPr/>
+        </p:nvSpPr>
+        <p:spPr>
+          <a:xfrm>
+            <a:off x="10086393" y="2759979"/>
+            <a:ext cx="1035698" cy="558112"/>
+          </a:xfrm>
+          <a:prstGeom prst="frame">
+            <a:avLst>
+              <a:gd name="adj1" fmla="val 7745"/>
+            </a:avLst>
+          </a:prstGeom>
+          <a:solidFill>
+            <a:srgbClr val="FF0000"/>
+          </a:solidFill>
+        </p:spPr>
+        <p:style>
+          <a:lnRef idx="2">
+            <a:schemeClr val="accent1">
+              <a:shade val="50000"/>
+            </a:schemeClr>
+          </a:lnRef>
+          <a:fillRef idx="1">
+            <a:schemeClr val="accent1"/>
+          </a:fillRef>
+          <a:effectRef idx="0">
+            <a:schemeClr val="accent1"/>
+          </a:effectRef>
+          <a:fontRef idx="minor">
+            <a:schemeClr val="lt1"/>
+          </a:fontRef>
+        </p:style>
+        <p:txBody>
+          <a:bodyPr rtlCol="0" anchor="ctr"/>
+          <a:lstStyle/>
+          <a:p>
+            <a:pPr algn="ctr"/>
+            <a:endParaRPr lang="ko-KR" altLang="en-US">
+              <a:solidFill>
+                <a:schemeClr val="tx1"/>
+              </a:solidFill>
+            </a:endParaRPr>
+          </a:p>
+        </p:txBody>
+      </p:sp>
+      <p:sp>
+        <p:nvSpPr>
+          <p:cNvPr id="11" name="액자 10"/>
+          <p:cNvSpPr/>
+          <p:nvPr/>
+        </p:nvSpPr>
+        <p:spPr>
+          <a:xfrm>
+            <a:off x="7859486" y="3486087"/>
+            <a:ext cx="416767" cy="539249"/>
+          </a:xfrm>
+          <a:prstGeom prst="frame">
+            <a:avLst>
+              <a:gd name="adj1" fmla="val 7745"/>
+            </a:avLst>
+          </a:prstGeom>
+          <a:solidFill>
+            <a:srgbClr val="FF0000"/>
+          </a:solidFill>
+        </p:spPr>
+        <p:style>
+          <a:lnRef idx="2">
+            <a:schemeClr val="accent1">
+              <a:shade val="50000"/>
+            </a:schemeClr>
+          </a:lnRef>
+          <a:fillRef idx="1">
+            <a:schemeClr val="accent1"/>
+          </a:fillRef>
+          <a:effectRef idx="0">
+            <a:schemeClr val="accent1"/>
+          </a:effectRef>
+          <a:fontRef idx="minor">
+            <a:schemeClr val="lt1"/>
+          </a:fontRef>
+        </p:style>
+        <p:txBody>
+          <a:bodyPr rtlCol="0" anchor="ctr"/>
+          <a:lstStyle/>
+          <a:p>
+            <a:pPr algn="ctr"/>
+            <a:endParaRPr lang="ko-KR" altLang="en-US">
+              <a:solidFill>
+                <a:schemeClr val="tx1"/>
+              </a:solidFill>
+            </a:endParaRPr>
+          </a:p>
+        </p:txBody>
+      </p:sp>
     </p:spTree>
     <p:extLst>
       <p:ext uri="{BB962C8B-B14F-4D97-AF65-F5344CB8AC3E}">
@@ -5740,9 +6486,80 @@
   <p:timing>
     <p:tnLst>
       <p:par>
-        <p:cTn id="1" dur="indefinite" restart="never" nodeType="tmRoot"/>
+        <p:cTn id="1" dur="indefinite" restart="never" nodeType="tmRoot">
+          <p:childTnLst>
+            <p:seq concurrent="1" nextAc="seek">
+              <p:cTn id="2" dur="indefinite" nodeType="mainSeq">
+                <p:childTnLst>
+                  <p:par>
+                    <p:cTn id="3" fill="hold">
+                      <p:stCondLst>
+                        <p:cond delay="indefinite"/>
+                      </p:stCondLst>
+                      <p:childTnLst>
+                        <p:par>
+                          <p:cTn id="4" fill="hold">
+                            <p:stCondLst>
+                              <p:cond delay="0"/>
+                            </p:stCondLst>
+                            <p:childTnLst>
+                              <p:par>
+                                <p:cTn id="5" presetID="1" presetClass="entr" presetSubtype="0" fill="hold" grpId="0" nodeType="clickEffect">
+                                  <p:stCondLst>
+                                    <p:cond delay="0"/>
+                                  </p:stCondLst>
+                                  <p:childTnLst>
+                                    <p:set>
+                                      <p:cBhvr>
+                                        <p:cTn id="6" dur="1" fill="hold">
+                                          <p:stCondLst>
+                                            <p:cond delay="0"/>
+                                          </p:stCondLst>
+                                        </p:cTn>
+                                        <p:tgtEl>
+                                          <p:spTgt spid="14"/>
+                                        </p:tgtEl>
+                                        <p:attrNameLst>
+                                          <p:attrName>style.visibility</p:attrName>
+                                        </p:attrNameLst>
+                                      </p:cBhvr>
+                                      <p:to>
+                                        <p:strVal val="visible"/>
+                                      </p:to>
+                                    </p:set>
+                                  </p:childTnLst>
+                                </p:cTn>
+                              </p:par>
+                            </p:childTnLst>
+                          </p:cTn>
+                        </p:par>
+                      </p:childTnLst>
+                    </p:cTn>
+                  </p:par>
+                </p:childTnLst>
+              </p:cTn>
+              <p:prevCondLst>
+                <p:cond evt="onPrev" delay="0">
+                  <p:tgtEl>
+                    <p:sldTgt/>
+                  </p:tgtEl>
+                </p:cond>
+              </p:prevCondLst>
+              <p:nextCondLst>
+                <p:cond evt="onNext" delay="0">
+                  <p:tgtEl>
+                    <p:sldTgt/>
+                  </p:tgtEl>
+                </p:cond>
+              </p:nextCondLst>
+            </p:seq>
+          </p:childTnLst>
+        </p:cTn>
       </p:par>
     </p:tnLst>
+    <p:bldLst>
+      <p:bldP spid="14" grpId="0"/>
+    </p:bldLst>
   </p:timing>
 </p:sld>
 </file>
@@ -6157,6 +6974,104 @@
           </a:p>
         </p:txBody>
       </p:sp>
+      <p:sp>
+        <p:nvSpPr>
+          <p:cNvPr id="10" name="액자 9"/>
+          <p:cNvSpPr/>
+          <p:nvPr/>
+        </p:nvSpPr>
+        <p:spPr>
+          <a:xfrm>
+            <a:off x="8724123" y="2785031"/>
+            <a:ext cx="839754" cy="558112"/>
+          </a:xfrm>
+          <a:prstGeom prst="frame">
+            <a:avLst>
+              <a:gd name="adj1" fmla="val 7745"/>
+            </a:avLst>
+          </a:prstGeom>
+          <a:solidFill>
+            <a:srgbClr val="FF0000"/>
+          </a:solidFill>
+        </p:spPr>
+        <p:style>
+          <a:lnRef idx="2">
+            <a:schemeClr val="accent1">
+              <a:shade val="50000"/>
+            </a:schemeClr>
+          </a:lnRef>
+          <a:fillRef idx="1">
+            <a:schemeClr val="accent1"/>
+          </a:fillRef>
+          <a:effectRef idx="0">
+            <a:schemeClr val="accent1"/>
+          </a:effectRef>
+          <a:fontRef idx="minor">
+            <a:schemeClr val="lt1"/>
+          </a:fontRef>
+        </p:style>
+        <p:txBody>
+          <a:bodyPr rtlCol="0" anchor="ctr"/>
+          <a:lstStyle/>
+          <a:p>
+            <a:pPr algn="ctr"/>
+            <a:endParaRPr lang="ko-KR" altLang="en-US">
+              <a:solidFill>
+                <a:schemeClr val="tx1"/>
+              </a:solidFill>
+            </a:endParaRPr>
+          </a:p>
+        </p:txBody>
+      </p:sp>
+      <p:sp>
+        <p:nvSpPr>
+          <p:cNvPr id="11" name="액자 10"/>
+          <p:cNvSpPr/>
+          <p:nvPr/>
+        </p:nvSpPr>
+        <p:spPr>
+          <a:xfrm>
+            <a:off x="7859486" y="3486087"/>
+            <a:ext cx="416767" cy="539249"/>
+          </a:xfrm>
+          <a:prstGeom prst="frame">
+            <a:avLst>
+              <a:gd name="adj1" fmla="val 7745"/>
+            </a:avLst>
+          </a:prstGeom>
+          <a:solidFill>
+            <a:srgbClr val="FF0000"/>
+          </a:solidFill>
+        </p:spPr>
+        <p:style>
+          <a:lnRef idx="2">
+            <a:schemeClr val="accent1">
+              <a:shade val="50000"/>
+            </a:schemeClr>
+          </a:lnRef>
+          <a:fillRef idx="1">
+            <a:schemeClr val="accent1"/>
+          </a:fillRef>
+          <a:effectRef idx="0">
+            <a:schemeClr val="accent1"/>
+          </a:effectRef>
+          <a:fontRef idx="minor">
+            <a:schemeClr val="lt1"/>
+          </a:fontRef>
+        </p:style>
+        <p:txBody>
+          <a:bodyPr rtlCol="0" anchor="ctr"/>
+          <a:lstStyle/>
+          <a:p>
+            <a:pPr algn="ctr"/>
+            <a:endParaRPr lang="ko-KR" altLang="en-US">
+              <a:solidFill>
+                <a:schemeClr val="tx1"/>
+              </a:solidFill>
+            </a:endParaRPr>
+          </a:p>
+        </p:txBody>
+      </p:sp>
     </p:spTree>
     <p:extLst>
       <p:ext uri="{BB962C8B-B14F-4D97-AF65-F5344CB8AC3E}">
@@ -6170,9 +7085,80 @@
   <p:timing>
     <p:tnLst>
       <p:par>
-        <p:cTn id="1" dur="indefinite" restart="never" nodeType="tmRoot"/>
+        <p:cTn id="1" dur="indefinite" restart="never" nodeType="tmRoot">
+          <p:childTnLst>
+            <p:seq concurrent="1" nextAc="seek">
+              <p:cTn id="2" dur="indefinite" nodeType="mainSeq">
+                <p:childTnLst>
+                  <p:par>
+                    <p:cTn id="3" fill="hold">
+                      <p:stCondLst>
+                        <p:cond delay="indefinite"/>
+                      </p:stCondLst>
+                      <p:childTnLst>
+                        <p:par>
+                          <p:cTn id="4" fill="hold">
+                            <p:stCondLst>
+                              <p:cond delay="0"/>
+                            </p:stCondLst>
+                            <p:childTnLst>
+                              <p:par>
+                                <p:cTn id="5" presetID="1" presetClass="entr" presetSubtype="0" fill="hold" grpId="0" nodeType="clickEffect">
+                                  <p:stCondLst>
+                                    <p:cond delay="0"/>
+                                  </p:stCondLst>
+                                  <p:childTnLst>
+                                    <p:set>
+                                      <p:cBhvr>
+                                        <p:cTn id="6" dur="1" fill="hold">
+                                          <p:stCondLst>
+                                            <p:cond delay="0"/>
+                                          </p:stCondLst>
+                                        </p:cTn>
+                                        <p:tgtEl>
+                                          <p:spTgt spid="13"/>
+                                        </p:tgtEl>
+                                        <p:attrNameLst>
+                                          <p:attrName>style.visibility</p:attrName>
+                                        </p:attrNameLst>
+                                      </p:cBhvr>
+                                      <p:to>
+                                        <p:strVal val="visible"/>
+                                      </p:to>
+                                    </p:set>
+                                  </p:childTnLst>
+                                </p:cTn>
+                              </p:par>
+                            </p:childTnLst>
+                          </p:cTn>
+                        </p:par>
+                      </p:childTnLst>
+                    </p:cTn>
+                  </p:par>
+                </p:childTnLst>
+              </p:cTn>
+              <p:prevCondLst>
+                <p:cond evt="onPrev" delay="0">
+                  <p:tgtEl>
+                    <p:sldTgt/>
+                  </p:tgtEl>
+                </p:cond>
+              </p:prevCondLst>
+              <p:nextCondLst>
+                <p:cond evt="onNext" delay="0">
+                  <p:tgtEl>
+                    <p:sldTgt/>
+                  </p:tgtEl>
+                </p:cond>
+              </p:nextCondLst>
+            </p:seq>
+          </p:childTnLst>
+        </p:cTn>
       </p:par>
     </p:tnLst>
+    <p:bldLst>
+      <p:bldP spid="13" grpId="0"/>
+    </p:bldLst>
   </p:timing>
 </p:sld>
 </file>
@@ -7481,9 +8467,199 @@
   <p:timing>
     <p:tnLst>
       <p:par>
-        <p:cTn id="1" dur="indefinite" restart="never" nodeType="tmRoot"/>
+        <p:cTn id="1" dur="indefinite" restart="never" nodeType="tmRoot">
+          <p:childTnLst>
+            <p:seq concurrent="1" nextAc="seek">
+              <p:cTn id="2" dur="indefinite" nodeType="mainSeq">
+                <p:childTnLst>
+                  <p:par>
+                    <p:cTn id="3" fill="hold">
+                      <p:stCondLst>
+                        <p:cond delay="indefinite"/>
+                      </p:stCondLst>
+                      <p:childTnLst>
+                        <p:par>
+                          <p:cTn id="4" fill="hold">
+                            <p:stCondLst>
+                              <p:cond delay="0"/>
+                            </p:stCondLst>
+                            <p:childTnLst>
+                              <p:par>
+                                <p:cTn id="5" presetID="1" presetClass="entr" presetSubtype="0" fill="hold" grpId="0" nodeType="clickEffect">
+                                  <p:stCondLst>
+                                    <p:cond delay="0"/>
+                                  </p:stCondLst>
+                                  <p:childTnLst>
+                                    <p:set>
+                                      <p:cBhvr>
+                                        <p:cTn id="6" dur="1" fill="hold">
+                                          <p:stCondLst>
+                                            <p:cond delay="0"/>
+                                          </p:stCondLst>
+                                        </p:cTn>
+                                        <p:tgtEl>
+                                          <p:spTgt spid="18"/>
+                                        </p:tgtEl>
+                                        <p:attrNameLst>
+                                          <p:attrName>style.visibility</p:attrName>
+                                        </p:attrNameLst>
+                                      </p:cBhvr>
+                                      <p:to>
+                                        <p:strVal val="visible"/>
+                                      </p:to>
+                                    </p:set>
+                                  </p:childTnLst>
+                                </p:cTn>
+                              </p:par>
+                            </p:childTnLst>
+                          </p:cTn>
+                        </p:par>
+                      </p:childTnLst>
+                    </p:cTn>
+                  </p:par>
+                  <p:par>
+                    <p:cTn id="7" fill="hold">
+                      <p:stCondLst>
+                        <p:cond delay="indefinite"/>
+                      </p:stCondLst>
+                      <p:childTnLst>
+                        <p:par>
+                          <p:cTn id="8" fill="hold">
+                            <p:stCondLst>
+                              <p:cond delay="0"/>
+                            </p:stCondLst>
+                            <p:childTnLst>
+                              <p:par>
+                                <p:cTn id="9" presetID="1" presetClass="entr" presetSubtype="0" fill="hold" grpId="0" nodeType="clickEffect">
+                                  <p:stCondLst>
+                                    <p:cond delay="0"/>
+                                  </p:stCondLst>
+                                  <p:childTnLst>
+                                    <p:set>
+                                      <p:cBhvr>
+                                        <p:cTn id="10" dur="1" fill="hold">
+                                          <p:stCondLst>
+                                            <p:cond delay="0"/>
+                                          </p:stCondLst>
+                                        </p:cTn>
+                                        <p:tgtEl>
+                                          <p:spTgt spid="21"/>
+                                        </p:tgtEl>
+                                        <p:attrNameLst>
+                                          <p:attrName>style.visibility</p:attrName>
+                                        </p:attrNameLst>
+                                      </p:cBhvr>
+                                      <p:to>
+                                        <p:strVal val="visible"/>
+                                      </p:to>
+                                    </p:set>
+                                  </p:childTnLst>
+                                </p:cTn>
+                              </p:par>
+                            </p:childTnLst>
+                          </p:cTn>
+                        </p:par>
+                      </p:childTnLst>
+                    </p:cTn>
+                  </p:par>
+                  <p:par>
+                    <p:cTn id="11" fill="hold">
+                      <p:stCondLst>
+                        <p:cond delay="indefinite"/>
+                      </p:stCondLst>
+                      <p:childTnLst>
+                        <p:par>
+                          <p:cTn id="12" fill="hold">
+                            <p:stCondLst>
+                              <p:cond delay="0"/>
+                            </p:stCondLst>
+                            <p:childTnLst>
+                              <p:par>
+                                <p:cTn id="13" presetID="1" presetClass="entr" presetSubtype="0" fill="hold" grpId="0" nodeType="clickEffect">
+                                  <p:stCondLst>
+                                    <p:cond delay="0"/>
+                                  </p:stCondLst>
+                                  <p:childTnLst>
+                                    <p:set>
+                                      <p:cBhvr>
+                                        <p:cTn id="14" dur="1" fill="hold">
+                                          <p:stCondLst>
+                                            <p:cond delay="0"/>
+                                          </p:stCondLst>
+                                        </p:cTn>
+                                        <p:tgtEl>
+                                          <p:spTgt spid="22"/>
+                                        </p:tgtEl>
+                                        <p:attrNameLst>
+                                          <p:attrName>style.visibility</p:attrName>
+                                        </p:attrNameLst>
+                                      </p:cBhvr>
+                                      <p:to>
+                                        <p:strVal val="visible"/>
+                                      </p:to>
+                                    </p:set>
+                                  </p:childTnLst>
+                                </p:cTn>
+                              </p:par>
+                              <p:par>
+                                <p:cTn id="15" presetID="1" presetClass="entr" presetSubtype="0" fill="hold" nodeType="withEffect">
+                                  <p:stCondLst>
+                                    <p:cond delay="0"/>
+                                  </p:stCondLst>
+                                  <p:childTnLst>
+                                    <p:set>
+                                      <p:cBhvr>
+                                        <p:cTn id="16" dur="1" fill="hold">
+                                          <p:stCondLst>
+                                            <p:cond delay="0"/>
+                                          </p:stCondLst>
+                                        </p:cTn>
+                                        <p:tgtEl>
+                                          <p:spTgt spid="23"/>
+                                        </p:tgtEl>
+                                        <p:attrNameLst>
+                                          <p:attrName>style.visibility</p:attrName>
+                                        </p:attrNameLst>
+                                      </p:cBhvr>
+                                      <p:to>
+                                        <p:strVal val="visible"/>
+                                      </p:to>
+                                    </p:set>
+                                  </p:childTnLst>
+                                </p:cTn>
+                              </p:par>
+                            </p:childTnLst>
+                          </p:cTn>
+                        </p:par>
+                      </p:childTnLst>
+                    </p:cTn>
+                  </p:par>
+                </p:childTnLst>
+              </p:cTn>
+              <p:prevCondLst>
+                <p:cond evt="onPrev" delay="0">
+                  <p:tgtEl>
+                    <p:sldTgt/>
+                  </p:tgtEl>
+                </p:cond>
+              </p:prevCondLst>
+              <p:nextCondLst>
+                <p:cond evt="onNext" delay="0">
+                  <p:tgtEl>
+                    <p:sldTgt/>
+                  </p:tgtEl>
+                </p:cond>
+              </p:nextCondLst>
+            </p:seq>
+          </p:childTnLst>
+        </p:cTn>
       </p:par>
     </p:tnLst>
+    <p:bldLst>
+      <p:bldP spid="18" grpId="0" animBg="1"/>
+      <p:bldP spid="21" grpId="0" animBg="1"/>
+      <p:bldP spid="22" grpId="0"/>
+    </p:bldLst>
   </p:timing>
 </p:sld>
 </file>
@@ -7958,9 +9134,182 @@
   <p:timing>
     <p:tnLst>
       <p:par>
-        <p:cTn id="1" dur="indefinite" restart="never" nodeType="tmRoot"/>
+        <p:cTn id="1" dur="indefinite" restart="never" nodeType="tmRoot">
+          <p:childTnLst>
+            <p:seq concurrent="1" nextAc="seek">
+              <p:cTn id="2" dur="indefinite" nodeType="mainSeq">
+                <p:childTnLst>
+                  <p:par>
+                    <p:cTn id="3" fill="hold">
+                      <p:stCondLst>
+                        <p:cond delay="indefinite"/>
+                      </p:stCondLst>
+                      <p:childTnLst>
+                        <p:par>
+                          <p:cTn id="4" fill="hold">
+                            <p:stCondLst>
+                              <p:cond delay="0"/>
+                            </p:stCondLst>
+                            <p:childTnLst>
+                              <p:par>
+                                <p:cTn id="5" presetID="1" presetClass="entr" presetSubtype="0" fill="hold" grpId="0" nodeType="clickEffect">
+                                  <p:stCondLst>
+                                    <p:cond delay="0"/>
+                                  </p:stCondLst>
+                                  <p:childTnLst>
+                                    <p:set>
+                                      <p:cBhvr>
+                                        <p:cTn id="6" dur="1" fill="hold">
+                                          <p:stCondLst>
+                                            <p:cond delay="0"/>
+                                          </p:stCondLst>
+                                        </p:cTn>
+                                        <p:tgtEl>
+                                          <p:spTgt spid="4"/>
+                                        </p:tgtEl>
+                                        <p:attrNameLst>
+                                          <p:attrName>style.visibility</p:attrName>
+                                        </p:attrNameLst>
+                                      </p:cBhvr>
+                                      <p:to>
+                                        <p:strVal val="visible"/>
+                                      </p:to>
+                                    </p:set>
+                                  </p:childTnLst>
+                                </p:cTn>
+                              </p:par>
+                              <p:par>
+                                <p:cTn id="7" presetID="1" presetClass="entr" presetSubtype="0" fill="hold" grpId="0" nodeType="withEffect">
+                                  <p:stCondLst>
+                                    <p:cond delay="0"/>
+                                  </p:stCondLst>
+                                  <p:childTnLst>
+                                    <p:set>
+                                      <p:cBhvr>
+                                        <p:cTn id="8" dur="1" fill="hold">
+                                          <p:stCondLst>
+                                            <p:cond delay="0"/>
+                                          </p:stCondLst>
+                                        </p:cTn>
+                                        <p:tgtEl>
+                                          <p:spTgt spid="14"/>
+                                        </p:tgtEl>
+                                        <p:attrNameLst>
+                                          <p:attrName>style.visibility</p:attrName>
+                                        </p:attrNameLst>
+                                      </p:cBhvr>
+                                      <p:to>
+                                        <p:strVal val="visible"/>
+                                      </p:to>
+                                    </p:set>
+                                  </p:childTnLst>
+                                </p:cTn>
+                              </p:par>
+                            </p:childTnLst>
+                          </p:cTn>
+                        </p:par>
+                      </p:childTnLst>
+                    </p:cTn>
+                  </p:par>
+                  <p:par>
+                    <p:cTn id="9" fill="hold">
+                      <p:stCondLst>
+                        <p:cond delay="indefinite"/>
+                      </p:stCondLst>
+                      <p:childTnLst>
+                        <p:par>
+                          <p:cTn id="10" fill="hold">
+                            <p:stCondLst>
+                              <p:cond delay="0"/>
+                            </p:stCondLst>
+                            <p:childTnLst>
+                              <p:par>
+                                <p:cTn id="11" presetID="1" presetClass="entr" presetSubtype="0" fill="hold" grpId="0" nodeType="clickEffect">
+                                  <p:stCondLst>
+                                    <p:cond delay="0"/>
+                                  </p:stCondLst>
+                                  <p:childTnLst>
+                                    <p:set>
+                                      <p:cBhvr>
+                                        <p:cTn id="12" dur="1" fill="hold">
+                                          <p:stCondLst>
+                                            <p:cond delay="0"/>
+                                          </p:stCondLst>
+                                        </p:cTn>
+                                        <p:tgtEl>
+                                          <p:spTgt spid="8"/>
+                                        </p:tgtEl>
+                                        <p:attrNameLst>
+                                          <p:attrName>style.visibility</p:attrName>
+                                        </p:attrNameLst>
+                                      </p:cBhvr>
+                                      <p:to>
+                                        <p:strVal val="visible"/>
+                                      </p:to>
+                                    </p:set>
+                                  </p:childTnLst>
+                                </p:cTn>
+                              </p:par>
+                              <p:par>
+                                <p:cTn id="13" presetID="1" presetClass="entr" presetSubtype="0" fill="hold" grpId="0" nodeType="withEffect">
+                                  <p:stCondLst>
+                                    <p:cond delay="0"/>
+                                  </p:stCondLst>
+                                  <p:childTnLst>
+                                    <p:set>
+                                      <p:cBhvr>
+                                        <p:cTn id="14" dur="1" fill="hold">
+                                          <p:stCondLst>
+                                            <p:cond delay="0"/>
+                                          </p:stCondLst>
+                                        </p:cTn>
+                                        <p:tgtEl>
+                                          <p:spTgt spid="16"/>
+                                        </p:tgtEl>
+                                        <p:attrNameLst>
+                                          <p:attrName>style.visibility</p:attrName>
+                                        </p:attrNameLst>
+                                      </p:cBhvr>
+                                      <p:to>
+                                        <p:strVal val="visible"/>
+                                      </p:to>
+                                    </p:set>
+                                  </p:childTnLst>
+                                </p:cTn>
+                              </p:par>
+                            </p:childTnLst>
+                          </p:cTn>
+                        </p:par>
+                      </p:childTnLst>
+                    </p:cTn>
+                  </p:par>
+                </p:childTnLst>
+              </p:cTn>
+              <p:prevCondLst>
+                <p:cond evt="onPrev" delay="0">
+                  <p:tgtEl>
+                    <p:sldTgt/>
+                  </p:tgtEl>
+                </p:cond>
+              </p:prevCondLst>
+              <p:nextCondLst>
+                <p:cond evt="onNext" delay="0">
+                  <p:tgtEl>
+                    <p:sldTgt/>
+                  </p:tgtEl>
+                </p:cond>
+              </p:nextCondLst>
+            </p:seq>
+          </p:childTnLst>
+        </p:cTn>
       </p:par>
     </p:tnLst>
+    <p:bldLst>
+      <p:bldP spid="4" grpId="0"/>
+      <p:bldP spid="8" grpId="0"/>
+      <p:bldP spid="14" grpId="0"/>
+      <p:bldP spid="16" grpId="0"/>
+    </p:bldLst>
   </p:timing>
 </p:sld>
 </file>
@@ -8354,9 +9703,227 @@
   <p:timing>
     <p:tnLst>
       <p:par>
-        <p:cTn id="1" dur="indefinite" restart="never" nodeType="tmRoot"/>
+        <p:cTn id="1" dur="indefinite" restart="never" nodeType="tmRoot">
+          <p:childTnLst>
+            <p:seq concurrent="1" nextAc="seek">
+              <p:cTn id="2" dur="indefinite" nodeType="mainSeq">
+                <p:childTnLst>
+                  <p:par>
+                    <p:cTn id="3" fill="hold">
+                      <p:stCondLst>
+                        <p:cond delay="indefinite"/>
+                      </p:stCondLst>
+                      <p:childTnLst>
+                        <p:par>
+                          <p:cTn id="4" fill="hold">
+                            <p:stCondLst>
+                              <p:cond delay="0"/>
+                            </p:stCondLst>
+                            <p:childTnLst>
+                              <p:par>
+                                <p:cTn id="5" presetID="1" presetClass="entr" presetSubtype="0" fill="hold" grpId="0" nodeType="clickEffect">
+                                  <p:stCondLst>
+                                    <p:cond delay="0"/>
+                                  </p:stCondLst>
+                                  <p:childTnLst>
+                                    <p:set>
+                                      <p:cBhvr>
+                                        <p:cTn id="6" dur="1" fill="hold">
+                                          <p:stCondLst>
+                                            <p:cond delay="0"/>
+                                          </p:stCondLst>
+                                        </p:cTn>
+                                        <p:tgtEl>
+                                          <p:spTgt spid="3"/>
+                                        </p:tgtEl>
+                                        <p:attrNameLst>
+                                          <p:attrName>style.visibility</p:attrName>
+                                        </p:attrNameLst>
+                                      </p:cBhvr>
+                                      <p:to>
+                                        <p:strVal val="visible"/>
+                                      </p:to>
+                                    </p:set>
+                                  </p:childTnLst>
+                                </p:cTn>
+                              </p:par>
+                              <p:par>
+                                <p:cTn id="7" presetID="1" presetClass="entr" presetSubtype="0" fill="hold" nodeType="withEffect">
+                                  <p:stCondLst>
+                                    <p:cond delay="0"/>
+                                  </p:stCondLst>
+                                  <p:childTnLst>
+                                    <p:set>
+                                      <p:cBhvr>
+                                        <p:cTn id="8" dur="1" fill="hold">
+                                          <p:stCondLst>
+                                            <p:cond delay="0"/>
+                                          </p:stCondLst>
+                                        </p:cTn>
+                                        <p:tgtEl>
+                                          <p:spTgt spid="17409"/>
+                                        </p:tgtEl>
+                                        <p:attrNameLst>
+                                          <p:attrName>style.visibility</p:attrName>
+                                        </p:attrNameLst>
+                                      </p:cBhvr>
+                                      <p:to>
+                                        <p:strVal val="visible"/>
+                                      </p:to>
+                                    </p:set>
+                                  </p:childTnLst>
+                                </p:cTn>
+                              </p:par>
+                            </p:childTnLst>
+                          </p:cTn>
+                        </p:par>
+                      </p:childTnLst>
+                    </p:cTn>
+                  </p:par>
+                  <p:par>
+                    <p:cTn id="9" fill="hold">
+                      <p:stCondLst>
+                        <p:cond delay="indefinite"/>
+                      </p:stCondLst>
+                      <p:childTnLst>
+                        <p:par>
+                          <p:cTn id="10" fill="hold">
+                            <p:stCondLst>
+                              <p:cond delay="0"/>
+                            </p:stCondLst>
+                            <p:childTnLst>
+                              <p:par>
+                                <p:cTn id="11" presetID="1" presetClass="entr" presetSubtype="0" fill="hold" grpId="0" nodeType="clickEffect">
+                                  <p:stCondLst>
+                                    <p:cond delay="0"/>
+                                  </p:stCondLst>
+                                  <p:childTnLst>
+                                    <p:set>
+                                      <p:cBhvr>
+                                        <p:cTn id="12" dur="1" fill="hold">
+                                          <p:stCondLst>
+                                            <p:cond delay="0"/>
+                                          </p:stCondLst>
+                                        </p:cTn>
+                                        <p:tgtEl>
+                                          <p:spTgt spid="6"/>
+                                        </p:tgtEl>
+                                        <p:attrNameLst>
+                                          <p:attrName>style.visibility</p:attrName>
+                                        </p:attrNameLst>
+                                      </p:cBhvr>
+                                      <p:to>
+                                        <p:strVal val="visible"/>
+                                      </p:to>
+                                    </p:set>
+                                  </p:childTnLst>
+                                </p:cTn>
+                              </p:par>
+                              <p:par>
+                                <p:cTn id="13" presetID="1" presetClass="entr" presetSubtype="0" fill="hold" grpId="0" nodeType="withEffect">
+                                  <p:stCondLst>
+                                    <p:cond delay="0"/>
+                                  </p:stCondLst>
+                                  <p:childTnLst>
+                                    <p:set>
+                                      <p:cBhvr>
+                                        <p:cTn id="14" dur="1" fill="hold">
+                                          <p:stCondLst>
+                                            <p:cond delay="0"/>
+                                          </p:stCondLst>
+                                        </p:cTn>
+                                        <p:tgtEl>
+                                          <p:spTgt spid="12"/>
+                                        </p:tgtEl>
+                                        <p:attrNameLst>
+                                          <p:attrName>style.visibility</p:attrName>
+                                        </p:attrNameLst>
+                                      </p:cBhvr>
+                                      <p:to>
+                                        <p:strVal val="visible"/>
+                                      </p:to>
+                                    </p:set>
+                                  </p:childTnLst>
+                                </p:cTn>
+                              </p:par>
+                            </p:childTnLst>
+                          </p:cTn>
+                        </p:par>
+                      </p:childTnLst>
+                    </p:cTn>
+                  </p:par>
+                  <p:par>
+                    <p:cTn id="15" fill="hold">
+                      <p:stCondLst>
+                        <p:cond delay="indefinite"/>
+                      </p:stCondLst>
+                      <p:childTnLst>
+                        <p:par>
+                          <p:cTn id="16" fill="hold">
+                            <p:stCondLst>
+                              <p:cond delay="0"/>
+                            </p:stCondLst>
+                            <p:childTnLst>
+                              <p:par>
+                                <p:cTn id="17" presetID="1" presetClass="entr" presetSubtype="0" fill="hold" grpId="0" nodeType="clickEffect">
+                                  <p:stCondLst>
+                                    <p:cond delay="0"/>
+                                  </p:stCondLst>
+                                  <p:childTnLst>
+                                    <p:set>
+                                      <p:cBhvr>
+                                        <p:cTn id="18" dur="1" fill="hold">
+                                          <p:stCondLst>
+                                            <p:cond delay="0"/>
+                                          </p:stCondLst>
+                                        </p:cTn>
+                                        <p:tgtEl>
+                                          <p:spTgt spid="10"/>
+                                        </p:tgtEl>
+                                        <p:attrNameLst>
+                                          <p:attrName>style.visibility</p:attrName>
+                                        </p:attrNameLst>
+                                      </p:cBhvr>
+                                      <p:to>
+                                        <p:strVal val="visible"/>
+                                      </p:to>
+                                    </p:set>
+                                  </p:childTnLst>
+                                </p:cTn>
+                              </p:par>
+                            </p:childTnLst>
+                          </p:cTn>
+                        </p:par>
+                      </p:childTnLst>
+                    </p:cTn>
+                  </p:par>
+                </p:childTnLst>
+              </p:cTn>
+              <p:prevCondLst>
+                <p:cond evt="onPrev" delay="0">
+                  <p:tgtEl>
+                    <p:sldTgt/>
+                  </p:tgtEl>
+                </p:cond>
+              </p:prevCondLst>
+              <p:nextCondLst>
+                <p:cond evt="onNext" delay="0">
+                  <p:tgtEl>
+                    <p:sldTgt/>
+                  </p:tgtEl>
+                </p:cond>
+              </p:nextCondLst>
+            </p:seq>
+          </p:childTnLst>
+        </p:cTn>
       </p:par>
     </p:tnLst>
+    <p:bldLst>
+      <p:bldP spid="3" grpId="0"/>
+      <p:bldP spid="6" grpId="0"/>
+      <p:bldP spid="10" grpId="0"/>
+      <p:bldP spid="12" grpId="0"/>
+    </p:bldLst>
   </p:timing>
 </p:sld>
 </file>
@@ -11401,38 +12968,6 @@
               </a:rPr>
               <a:t>]</a:t>
             </a:r>
-            <a:r>
-              <a:rPr lang="en-US" altLang="ko-KR" b="1" dirty="0" smtClean="0">
-                <a:solidFill>
-                  <a:srgbClr val="0070C0"/>
-                </a:solidFill>
-              </a:rPr>
-              <a:t> = </a:t>
-            </a:r>
-            <a:r>
-              <a:rPr lang="en-US" altLang="ko-KR" b="1" dirty="0" smtClean="0">
-                <a:solidFill>
-                  <a:srgbClr val="0070C0"/>
-                </a:solidFill>
-              </a:rPr>
-              <a:t>a</a:t>
-            </a:r>
-            <a:r>
-              <a:rPr lang="pl-PL" altLang="ko-KR" b="1" dirty="0" smtClean="0">
-                <a:solidFill>
-                  <a:srgbClr val="0070C0"/>
-                </a:solidFill>
-              </a:rPr>
-              <a:t>^[1]</a:t>
-            </a:r>
-            <a:r>
-              <a:rPr lang="en-US" altLang="ko-KR" b="1" dirty="0" smtClean="0">
-                <a:solidFill>
-                  <a:srgbClr val="0070C0"/>
-                </a:solidFill>
-              </a:rPr>
-              <a:t> </a:t>
-            </a:r>
             <a:endParaRPr lang="pl-PL" altLang="ko-KR" b="1" dirty="0">
               <a:solidFill>
                 <a:srgbClr val="0070C0"/>
@@ -11726,21 +13261,62 @@
                   <a:srgbClr val="0070C0"/>
                 </a:solidFill>
               </a:rPr>
-              <a:t> = g(z^[2]) =</a:t>
-            </a:r>
-            <a:r>
-              <a:rPr lang="en-US" altLang="ko-KR" dirty="0" smtClean="0">
-                <a:solidFill>
-                  <a:srgbClr val="0070C0"/>
-                </a:solidFill>
-              </a:rPr>
-              <a:t> g(w^[2]a^[1]) </a:t>
+              <a:t> = g(z^[2]) = g(w^[2]a^[1]) </a:t>
             </a:r>
             <a:endParaRPr lang="pl-PL" altLang="ko-KR" dirty="0">
               <a:solidFill>
                 <a:srgbClr val="0070C0"/>
               </a:solidFill>
             </a:endParaRPr>
+          </a:p>
+        </p:txBody>
+      </p:sp>
+      <p:sp>
+        <p:nvSpPr>
+          <p:cNvPr id="3" name="직사각형 2"/>
+          <p:cNvSpPr/>
+          <p:nvPr/>
+        </p:nvSpPr>
+        <p:spPr>
+          <a:xfrm>
+            <a:off x="5994116" y="5587026"/>
+            <a:ext cx="1106393" cy="369332"/>
+          </a:xfrm>
+          <a:prstGeom prst="rect">
+            <a:avLst/>
+          </a:prstGeom>
+        </p:spPr>
+        <p:txBody>
+          <a:bodyPr wrap="none">
+            <a:spAutoFit/>
+          </a:bodyPr>
+          <a:lstStyle/>
+          <a:p>
+            <a:r>
+              <a:rPr lang="en-US" altLang="ko-KR" b="1" dirty="0">
+                <a:solidFill>
+                  <a:srgbClr val="0070C0"/>
+                </a:solidFill>
+              </a:rPr>
+              <a:t>= a</a:t>
+            </a:r>
+            <a:r>
+              <a:rPr lang="pl-PL" altLang="ko-KR" b="1" dirty="0">
+                <a:solidFill>
+                  <a:srgbClr val="0070C0"/>
+                </a:solidFill>
+              </a:rPr>
+              <a:t>^[1]</a:t>
+            </a:r>
+            <a:r>
+              <a:rPr lang="en-US" altLang="ko-KR" b="1" dirty="0">
+                <a:solidFill>
+                  <a:srgbClr val="0070C0"/>
+                </a:solidFill>
+              </a:rPr>
+              <a:t> </a:t>
+            </a:r>
+            <a:endParaRPr lang="ko-KR" altLang="en-US" dirty="0"/>
           </a:p>
         </p:txBody>
       </p:sp>
@@ -11757,9 +13333,302 @@
   <p:timing>
     <p:tnLst>
       <p:par>
-        <p:cTn id="1" dur="indefinite" restart="never" nodeType="tmRoot"/>
+        <p:cTn id="1" dur="indefinite" restart="never" nodeType="tmRoot">
+          <p:childTnLst>
+            <p:seq concurrent="1" nextAc="seek">
+              <p:cTn id="2" dur="indefinite" nodeType="mainSeq">
+                <p:childTnLst>
+                  <p:par>
+                    <p:cTn id="3" fill="hold">
+                      <p:stCondLst>
+                        <p:cond delay="indefinite"/>
+                      </p:stCondLst>
+                      <p:childTnLst>
+                        <p:par>
+                          <p:cTn id="4" fill="hold">
+                            <p:stCondLst>
+                              <p:cond delay="0"/>
+                            </p:stCondLst>
+                            <p:childTnLst>
+                              <p:par>
+                                <p:cTn id="5" presetID="1" presetClass="entr" presetSubtype="0" fill="hold" grpId="0" nodeType="clickEffect">
+                                  <p:stCondLst>
+                                    <p:cond delay="0"/>
+                                  </p:stCondLst>
+                                  <p:childTnLst>
+                                    <p:set>
+                                      <p:cBhvr>
+                                        <p:cTn id="6" dur="1" fill="hold">
+                                          <p:stCondLst>
+                                            <p:cond delay="0"/>
+                                          </p:stCondLst>
+                                        </p:cTn>
+                                        <p:tgtEl>
+                                          <p:spTgt spid="11"/>
+                                        </p:tgtEl>
+                                        <p:attrNameLst>
+                                          <p:attrName>style.visibility</p:attrName>
+                                        </p:attrNameLst>
+                                      </p:cBhvr>
+                                      <p:to>
+                                        <p:strVal val="visible"/>
+                                      </p:to>
+                                    </p:set>
+                                  </p:childTnLst>
+                                </p:cTn>
+                              </p:par>
+                              <p:par>
+                                <p:cTn id="7" presetID="1" presetClass="entr" presetSubtype="0" fill="hold" grpId="0" nodeType="withEffect">
+                                  <p:stCondLst>
+                                    <p:cond delay="0"/>
+                                  </p:stCondLst>
+                                  <p:childTnLst>
+                                    <p:set>
+                                      <p:cBhvr>
+                                        <p:cTn id="8" dur="1" fill="hold">
+                                          <p:stCondLst>
+                                            <p:cond delay="0"/>
+                                          </p:stCondLst>
+                                        </p:cTn>
+                                        <p:tgtEl>
+                                          <p:spTgt spid="13"/>
+                                        </p:tgtEl>
+                                        <p:attrNameLst>
+                                          <p:attrName>style.visibility</p:attrName>
+                                        </p:attrNameLst>
+                                      </p:cBhvr>
+                                      <p:to>
+                                        <p:strVal val="visible"/>
+                                      </p:to>
+                                    </p:set>
+                                  </p:childTnLst>
+                                </p:cTn>
+                              </p:par>
+                            </p:childTnLst>
+                          </p:cTn>
+                        </p:par>
+                      </p:childTnLst>
+                    </p:cTn>
+                  </p:par>
+                  <p:par>
+                    <p:cTn id="9" fill="hold">
+                      <p:stCondLst>
+                        <p:cond delay="indefinite"/>
+                      </p:stCondLst>
+                      <p:childTnLst>
+                        <p:par>
+                          <p:cTn id="10" fill="hold">
+                            <p:stCondLst>
+                              <p:cond delay="0"/>
+                            </p:stCondLst>
+                            <p:childTnLst>
+                              <p:par>
+                                <p:cTn id="11" presetID="1" presetClass="entr" presetSubtype="0" fill="hold" grpId="0" nodeType="clickEffect">
+                                  <p:stCondLst>
+                                    <p:cond delay="0"/>
+                                  </p:stCondLst>
+                                  <p:childTnLst>
+                                    <p:set>
+                                      <p:cBhvr>
+                                        <p:cTn id="12" dur="1" fill="hold">
+                                          <p:stCondLst>
+                                            <p:cond delay="0"/>
+                                          </p:stCondLst>
+                                        </p:cTn>
+                                        <p:tgtEl>
+                                          <p:spTgt spid="15"/>
+                                        </p:tgtEl>
+                                        <p:attrNameLst>
+                                          <p:attrName>style.visibility</p:attrName>
+                                        </p:attrNameLst>
+                                      </p:cBhvr>
+                                      <p:to>
+                                        <p:strVal val="visible"/>
+                                      </p:to>
+                                    </p:set>
+                                  </p:childTnLst>
+                                </p:cTn>
+                              </p:par>
+                            </p:childTnLst>
+                          </p:cTn>
+                        </p:par>
+                      </p:childTnLst>
+                    </p:cTn>
+                  </p:par>
+                  <p:par>
+                    <p:cTn id="13" fill="hold">
+                      <p:stCondLst>
+                        <p:cond delay="indefinite"/>
+                      </p:stCondLst>
+                      <p:childTnLst>
+                        <p:par>
+                          <p:cTn id="14" fill="hold">
+                            <p:stCondLst>
+                              <p:cond delay="0"/>
+                            </p:stCondLst>
+                            <p:childTnLst>
+                              <p:par>
+                                <p:cTn id="15" presetID="1" presetClass="entr" presetSubtype="0" fill="hold" grpId="0" nodeType="clickEffect">
+                                  <p:stCondLst>
+                                    <p:cond delay="0"/>
+                                  </p:stCondLst>
+                                  <p:childTnLst>
+                                    <p:set>
+                                      <p:cBhvr>
+                                        <p:cTn id="16" dur="1" fill="hold">
+                                          <p:stCondLst>
+                                            <p:cond delay="0"/>
+                                          </p:stCondLst>
+                                        </p:cTn>
+                                        <p:tgtEl>
+                                          <p:spTgt spid="3"/>
+                                        </p:tgtEl>
+                                        <p:attrNameLst>
+                                          <p:attrName>style.visibility</p:attrName>
+                                        </p:attrNameLst>
+                                      </p:cBhvr>
+                                      <p:to>
+                                        <p:strVal val="visible"/>
+                                      </p:to>
+                                    </p:set>
+                                  </p:childTnLst>
+                                </p:cTn>
+                              </p:par>
+                            </p:childTnLst>
+                          </p:cTn>
+                        </p:par>
+                      </p:childTnLst>
+                    </p:cTn>
+                  </p:par>
+                  <p:par>
+                    <p:cTn id="17" fill="hold">
+                      <p:stCondLst>
+                        <p:cond delay="indefinite"/>
+                      </p:stCondLst>
+                      <p:childTnLst>
+                        <p:par>
+                          <p:cTn id="18" fill="hold">
+                            <p:stCondLst>
+                              <p:cond delay="0"/>
+                            </p:stCondLst>
+                            <p:childTnLst>
+                              <p:par>
+                                <p:cTn id="19" presetID="1" presetClass="entr" presetSubtype="0" fill="hold" grpId="0" nodeType="clickEffect">
+                                  <p:stCondLst>
+                                    <p:cond delay="0"/>
+                                  </p:stCondLst>
+                                  <p:childTnLst>
+                                    <p:set>
+                                      <p:cBhvr>
+                                        <p:cTn id="20" dur="1" fill="hold">
+                                          <p:stCondLst>
+                                            <p:cond delay="0"/>
+                                          </p:stCondLst>
+                                        </p:cTn>
+                                        <p:tgtEl>
+                                          <p:spTgt spid="16"/>
+                                        </p:tgtEl>
+                                        <p:attrNameLst>
+                                          <p:attrName>style.visibility</p:attrName>
+                                        </p:attrNameLst>
+                                      </p:cBhvr>
+                                      <p:to>
+                                        <p:strVal val="visible"/>
+                                      </p:to>
+                                    </p:set>
+                                  </p:childTnLst>
+                                </p:cTn>
+                              </p:par>
+                              <p:par>
+                                <p:cTn id="21" presetID="1" presetClass="entr" presetSubtype="0" fill="hold" grpId="0" nodeType="withEffect">
+                                  <p:stCondLst>
+                                    <p:cond delay="0"/>
+                                  </p:stCondLst>
+                                  <p:childTnLst>
+                                    <p:set>
+                                      <p:cBhvr>
+                                        <p:cTn id="22" dur="1" fill="hold">
+                                          <p:stCondLst>
+                                            <p:cond delay="0"/>
+                                          </p:stCondLst>
+                                        </p:cTn>
+                                        <p:tgtEl>
+                                          <p:spTgt spid="17"/>
+                                        </p:tgtEl>
+                                        <p:attrNameLst>
+                                          <p:attrName>style.visibility</p:attrName>
+                                        </p:attrNameLst>
+                                      </p:cBhvr>
+                                      <p:to>
+                                        <p:strVal val="visible"/>
+                                      </p:to>
+                                    </p:set>
+                                  </p:childTnLst>
+                                </p:cTn>
+                              </p:par>
+                              <p:par>
+                                <p:cTn id="23" presetID="1" presetClass="entr" presetSubtype="0" fill="hold" grpId="0" nodeType="withEffect">
+                                  <p:stCondLst>
+                                    <p:cond delay="0"/>
+                                  </p:stCondLst>
+                                  <p:childTnLst>
+                                    <p:set>
+                                      <p:cBhvr>
+                                        <p:cTn id="24" dur="1" fill="hold">
+                                          <p:stCondLst>
+                                            <p:cond delay="0"/>
+                                          </p:stCondLst>
+                                        </p:cTn>
+                                        <p:tgtEl>
+                                          <p:spTgt spid="18"/>
+                                        </p:tgtEl>
+                                        <p:attrNameLst>
+                                          <p:attrName>style.visibility</p:attrName>
+                                        </p:attrNameLst>
+                                      </p:cBhvr>
+                                      <p:to>
+                                        <p:strVal val="visible"/>
+                                      </p:to>
+                                    </p:set>
+                                  </p:childTnLst>
+                                </p:cTn>
+                              </p:par>
+                            </p:childTnLst>
+                          </p:cTn>
+                        </p:par>
+                      </p:childTnLst>
+                    </p:cTn>
+                  </p:par>
+                </p:childTnLst>
+              </p:cTn>
+              <p:prevCondLst>
+                <p:cond evt="onPrev" delay="0">
+                  <p:tgtEl>
+                    <p:sldTgt/>
+                  </p:tgtEl>
+                </p:cond>
+              </p:prevCondLst>
+              <p:nextCondLst>
+                <p:cond evt="onNext" delay="0">
+                  <p:tgtEl>
+                    <p:sldTgt/>
+                  </p:tgtEl>
+                </p:cond>
+              </p:nextCondLst>
+            </p:seq>
+          </p:childTnLst>
+        </p:cTn>
       </p:par>
     </p:tnLst>
+    <p:bldLst>
+      <p:bldP spid="13" grpId="0"/>
+      <p:bldP spid="11" grpId="0" animBg="1"/>
+      <p:bldP spid="15" grpId="0"/>
+      <p:bldP spid="16" grpId="0" animBg="1"/>
+      <p:bldP spid="17" grpId="0"/>
+      <p:bldP spid="18" grpId="0"/>
+      <p:bldP spid="3" grpId="0"/>
+    </p:bldLst>
   </p:timing>
 </p:sld>
 </file>
